--- a/Day 1/3. Modern Javascript (ES6)/Slides/4. Operators/operators-slides.pptx
+++ b/Day 1/3. Modern Javascript (ES6)/Slides/4. Operators/operators-slides.pptx
@@ -120,6 +120,22 @@
       </a:defRPr>
     </a:lvl9pPr>
   </p:defaultTextStyle>
+  <p:extLst>
+    <p:ext uri="{EFAFB233-063F-42B5-8137-9DF3F51BA10A}">
+      <p15:sldGuideLst xmlns:p15="http://schemas.microsoft.com/office/powerpoint/2012/main">
+        <p15:guide id="1" orient="horz" pos="2880" userDrawn="1">
+          <p15:clr>
+            <a:srgbClr val="A4A3A4"/>
+          </p15:clr>
+        </p15:guide>
+        <p15:guide id="2" pos="2160" userDrawn="1">
+          <p15:clr>
+            <a:srgbClr val="A4A3A4"/>
+          </p15:clr>
+        </p15:guide>
+      </p15:sldGuideLst>
+    </p:ext>
+  </p:extLst>
 </p:presentation>
 </file>
 
@@ -6302,8 +6318,8 @@
         </p:nvSpPr>
         <p:spPr>
           <a:xfrm>
-            <a:off x="688635" y="2191003"/>
-            <a:ext cx="1121410" cy="3362960"/>
+            <a:off x="688340" y="2190750"/>
+            <a:ext cx="4161790" cy="3382645"/>
           </a:xfrm>
           <a:prstGeom prst="rect">
             <a:avLst/>
